--- a/Trythis.pptx
+++ b/Trythis.pptx
@@ -5,16 +5,18 @@
     <p:sldMasterId id="2147483706" r:id="rId1"/>
   </p:sldMasterIdLst>
   <p:notesMasterIdLst>
-    <p:notesMasterId r:id="rId9"/>
+    <p:notesMasterId r:id="rId11"/>
   </p:notesMasterIdLst>
   <p:sldIdLst>
     <p:sldId id="256" r:id="rId2"/>
     <p:sldId id="260" r:id="rId3"/>
     <p:sldId id="261" r:id="rId4"/>
     <p:sldId id="264" r:id="rId5"/>
-    <p:sldId id="265" r:id="rId6"/>
-    <p:sldId id="259" r:id="rId7"/>
-    <p:sldId id="263" r:id="rId8"/>
+    <p:sldId id="267" r:id="rId6"/>
+    <p:sldId id="265" r:id="rId7"/>
+    <p:sldId id="266" r:id="rId8"/>
+    <p:sldId id="259" r:id="rId9"/>
+    <p:sldId id="263" r:id="rId10"/>
   </p:sldIdLst>
   <p:sldSz cx="9144000" cy="6858000" type="screen4x3"/>
   <p:notesSz cx="6858000" cy="9144000"/>
@@ -122,7 +124,9 @@
             <p14:sldId id="260"/>
             <p14:sldId id="261"/>
             <p14:sldId id="264"/>
+            <p14:sldId id="267"/>
             <p14:sldId id="265"/>
+            <p14:sldId id="266"/>
             <p14:sldId id="259"/>
             <p14:sldId id="263"/>
           </p14:sldIdLst>
@@ -574,6 +578,267 @@
     <p:extLst>
       <p:ext uri="{BB962C8B-B14F-4D97-AF65-F5344CB8AC3E}">
         <p14:creationId xmlns:p14="http://schemas.microsoft.com/office/powerpoint/2010/main" val="4174869245"/>
+      </p:ext>
+    </p:extLst>
+  </p:cSld>
+  <p:clrMapOvr>
+    <a:masterClrMapping/>
+  </p:clrMapOvr>
+</p:notes>
+</file>
+
+<file path=ppt/notesSlides/notesSlide2.xml><?xml version="1.0" encoding="utf-8"?>
+<p:notes xmlns:a="http://schemas.openxmlformats.org/drawingml/2006/main" xmlns:r="http://schemas.openxmlformats.org/officeDocument/2006/relationships" xmlns:p="http://schemas.openxmlformats.org/presentationml/2006/main">
+  <p:cSld>
+    <p:spTree>
+      <p:nvGrpSpPr>
+        <p:cNvPr id="1" name=""/>
+        <p:cNvGrpSpPr/>
+        <p:nvPr/>
+      </p:nvGrpSpPr>
+      <p:grpSpPr>
+        <a:xfrm>
+          <a:off x="0" y="0"/>
+          <a:ext cx="0" cy="0"/>
+          <a:chOff x="0" y="0"/>
+          <a:chExt cx="0" cy="0"/>
+        </a:xfrm>
+      </p:grpSpPr>
+      <p:sp>
+        <p:nvSpPr>
+          <p:cNvPr id="2" name="Slide Image Placeholder 1"/>
+          <p:cNvSpPr>
+            <a:spLocks noGrp="1" noRot="1" noChangeAspect="1"/>
+          </p:cNvSpPr>
+          <p:nvPr>
+            <p:ph type="sldImg"/>
+          </p:nvPr>
+        </p:nvSpPr>
+        <p:spPr/>
+      </p:sp>
+      <p:sp>
+        <p:nvSpPr>
+          <p:cNvPr id="3" name="Notes Placeholder 2"/>
+          <p:cNvSpPr>
+            <a:spLocks noGrp="1"/>
+          </p:cNvSpPr>
+          <p:nvPr>
+            <p:ph type="body" idx="1"/>
+          </p:nvPr>
+        </p:nvSpPr>
+        <p:spPr/>
+        <p:txBody>
+          <a:bodyPr/>
+          <a:lstStyle/>
+          <a:p>
+            <a:r>
+              <a:rPr lang="en-US" dirty="0"/>
+              <a:t>Note: Pray to Cerny for A</a:t>
+            </a:r>
+          </a:p>
+        </p:txBody>
+      </p:sp>
+      <p:sp>
+        <p:nvSpPr>
+          <p:cNvPr id="4" name="Slide Number Placeholder 3"/>
+          <p:cNvSpPr>
+            <a:spLocks noGrp="1"/>
+          </p:cNvSpPr>
+          <p:nvPr>
+            <p:ph type="sldNum" sz="quarter" idx="10"/>
+          </p:nvPr>
+        </p:nvSpPr>
+        <p:spPr/>
+        <p:txBody>
+          <a:bodyPr/>
+          <a:lstStyle/>
+          <a:p>
+            <a:fld id="{28596717-9BE7-4428-A9BA-275DB79EF6FF}" type="slidenum">
+              <a:rPr lang="en-US" smtClean="0"/>
+              <a:t>5</a:t>
+            </a:fld>
+            <a:endParaRPr lang="en-US"/>
+          </a:p>
+        </p:txBody>
+      </p:sp>
+    </p:spTree>
+    <p:extLst>
+      <p:ext uri="{BB962C8B-B14F-4D97-AF65-F5344CB8AC3E}">
+        <p14:creationId xmlns:p14="http://schemas.microsoft.com/office/powerpoint/2010/main" val="1961289240"/>
+      </p:ext>
+    </p:extLst>
+  </p:cSld>
+  <p:clrMapOvr>
+    <a:masterClrMapping/>
+  </p:clrMapOvr>
+</p:notes>
+</file>
+
+<file path=ppt/notesSlides/notesSlide3.xml><?xml version="1.0" encoding="utf-8"?>
+<p:notes xmlns:a="http://schemas.openxmlformats.org/drawingml/2006/main" xmlns:r="http://schemas.openxmlformats.org/officeDocument/2006/relationships" xmlns:p="http://schemas.openxmlformats.org/presentationml/2006/main">
+  <p:cSld>
+    <p:spTree>
+      <p:nvGrpSpPr>
+        <p:cNvPr id="1" name=""/>
+        <p:cNvGrpSpPr/>
+        <p:nvPr/>
+      </p:nvGrpSpPr>
+      <p:grpSpPr>
+        <a:xfrm>
+          <a:off x="0" y="0"/>
+          <a:ext cx="0" cy="0"/>
+          <a:chOff x="0" y="0"/>
+          <a:chExt cx="0" cy="0"/>
+        </a:xfrm>
+      </p:grpSpPr>
+      <p:sp>
+        <p:nvSpPr>
+          <p:cNvPr id="2" name="Slide Image Placeholder 1"/>
+          <p:cNvSpPr>
+            <a:spLocks noGrp="1" noRot="1" noChangeAspect="1"/>
+          </p:cNvSpPr>
+          <p:nvPr>
+            <p:ph type="sldImg"/>
+          </p:nvPr>
+        </p:nvSpPr>
+        <p:spPr/>
+      </p:sp>
+      <p:sp>
+        <p:nvSpPr>
+          <p:cNvPr id="3" name="Notes Placeholder 2"/>
+          <p:cNvSpPr>
+            <a:spLocks noGrp="1"/>
+          </p:cNvSpPr>
+          <p:nvPr>
+            <p:ph type="body" idx="1"/>
+          </p:nvPr>
+        </p:nvSpPr>
+        <p:spPr/>
+        <p:txBody>
+          <a:bodyPr/>
+          <a:lstStyle/>
+          <a:p>
+            <a:r>
+              <a:rPr lang="en-US" dirty="0"/>
+              <a:t>Generates Valid Input Test Cases for Player.</a:t>
+            </a:r>
+          </a:p>
+        </p:txBody>
+      </p:sp>
+      <p:sp>
+        <p:nvSpPr>
+          <p:cNvPr id="4" name="Slide Number Placeholder 3"/>
+          <p:cNvSpPr>
+            <a:spLocks noGrp="1"/>
+          </p:cNvSpPr>
+          <p:nvPr>
+            <p:ph type="sldNum" sz="quarter" idx="10"/>
+          </p:nvPr>
+        </p:nvSpPr>
+        <p:spPr/>
+        <p:txBody>
+          <a:bodyPr/>
+          <a:lstStyle/>
+          <a:p>
+            <a:fld id="{28596717-9BE7-4428-A9BA-275DB79EF6FF}" type="slidenum">
+              <a:rPr lang="en-US" smtClean="0"/>
+              <a:t>6</a:t>
+            </a:fld>
+            <a:endParaRPr lang="en-US"/>
+          </a:p>
+        </p:txBody>
+      </p:sp>
+    </p:spTree>
+    <p:extLst>
+      <p:ext uri="{BB962C8B-B14F-4D97-AF65-F5344CB8AC3E}">
+        <p14:creationId xmlns:p14="http://schemas.microsoft.com/office/powerpoint/2010/main" val="3998651053"/>
+      </p:ext>
+    </p:extLst>
+  </p:cSld>
+  <p:clrMapOvr>
+    <a:masterClrMapping/>
+  </p:clrMapOvr>
+</p:notes>
+</file>
+
+<file path=ppt/notesSlides/notesSlide4.xml><?xml version="1.0" encoding="utf-8"?>
+<p:notes xmlns:a="http://schemas.openxmlformats.org/drawingml/2006/main" xmlns:r="http://schemas.openxmlformats.org/officeDocument/2006/relationships" xmlns:p="http://schemas.openxmlformats.org/presentationml/2006/main">
+  <p:cSld>
+    <p:spTree>
+      <p:nvGrpSpPr>
+        <p:cNvPr id="1" name=""/>
+        <p:cNvGrpSpPr/>
+        <p:nvPr/>
+      </p:nvGrpSpPr>
+      <p:grpSpPr>
+        <a:xfrm>
+          <a:off x="0" y="0"/>
+          <a:ext cx="0" cy="0"/>
+          <a:chOff x="0" y="0"/>
+          <a:chExt cx="0" cy="0"/>
+        </a:xfrm>
+      </p:grpSpPr>
+      <p:sp>
+        <p:nvSpPr>
+          <p:cNvPr id="2" name="Slide Image Placeholder 1"/>
+          <p:cNvSpPr>
+            <a:spLocks noGrp="1" noRot="1" noChangeAspect="1"/>
+          </p:cNvSpPr>
+          <p:nvPr>
+            <p:ph type="sldImg"/>
+          </p:nvPr>
+        </p:nvSpPr>
+        <p:spPr/>
+      </p:sp>
+      <p:sp>
+        <p:nvSpPr>
+          <p:cNvPr id="3" name="Notes Placeholder 2"/>
+          <p:cNvSpPr>
+            <a:spLocks noGrp="1"/>
+          </p:cNvSpPr>
+          <p:nvPr>
+            <p:ph type="body" idx="1"/>
+          </p:nvPr>
+        </p:nvSpPr>
+        <p:spPr/>
+        <p:txBody>
+          <a:bodyPr/>
+          <a:lstStyle/>
+          <a:p>
+            <a:r>
+              <a:rPr lang="en-US" dirty="0"/>
+              <a:t>25% chance to generate valid input.</a:t>
+            </a:r>
+          </a:p>
+        </p:txBody>
+      </p:sp>
+      <p:sp>
+        <p:nvSpPr>
+          <p:cNvPr id="4" name="Slide Number Placeholder 3"/>
+          <p:cNvSpPr>
+            <a:spLocks noGrp="1"/>
+          </p:cNvSpPr>
+          <p:nvPr>
+            <p:ph type="sldNum" sz="quarter" idx="10"/>
+          </p:nvPr>
+        </p:nvSpPr>
+        <p:spPr/>
+        <p:txBody>
+          <a:bodyPr/>
+          <a:lstStyle/>
+          <a:p>
+            <a:fld id="{28596717-9BE7-4428-A9BA-275DB79EF6FF}" type="slidenum">
+              <a:rPr lang="en-US" smtClean="0"/>
+              <a:t>7</a:t>
+            </a:fld>
+            <a:endParaRPr lang="en-US"/>
+          </a:p>
+        </p:txBody>
+      </p:sp>
+    </p:spTree>
+    <p:extLst>
+      <p:ext uri="{BB962C8B-B14F-4D97-AF65-F5344CB8AC3E}">
+        <p14:creationId xmlns:p14="http://schemas.microsoft.com/office/powerpoint/2010/main" val="3806824803"/>
       </p:ext>
     </p:extLst>
   </p:cSld>
@@ -17418,52 +17683,41 @@
           </a:p>
         </p:txBody>
       </p:sp>
-      <p:sp>
-        <p:nvSpPr>
-          <p:cNvPr id="3" name="Content Placeholder 2">
+      <p:pic>
+        <p:nvPicPr>
+          <p:cNvPr id="5" name="Content Placeholder 4" descr="A screenshot of a social media post&#10;&#10;Description generated with very high confidence">
             <a:extLst>
               <a:ext uri="{FF2B5EF4-FFF2-40B4-BE49-F238E27FC236}">
-                <a16:creationId xmlns:a16="http://schemas.microsoft.com/office/drawing/2014/main" id="{F5C9D52D-9CE9-420E-B9D4-1BA8CEDFC931}"/>
+                <a16:creationId xmlns:a16="http://schemas.microsoft.com/office/drawing/2014/main" id="{84F55236-CDCC-48E2-9241-9CD4F7196987}"/>
               </a:ext>
             </a:extLst>
           </p:cNvPr>
-          <p:cNvSpPr>
-            <a:spLocks noGrp="1"/>
-          </p:cNvSpPr>
+          <p:cNvPicPr>
+            <a:picLocks noGrp="1" noChangeAspect="1"/>
+          </p:cNvPicPr>
           <p:nvPr>
             <p:ph idx="1"/>
           </p:nvPr>
-        </p:nvSpPr>
-        <p:spPr/>
-        <p:txBody>
-          <a:bodyPr/>
-          <a:lstStyle/>
-          <a:p>
-            <a:r>
-              <a:rPr lang="en-US" dirty="0"/>
-              <a:t>A picture would do wonders so we could limit how much they see</a:t>
-            </a:r>
-          </a:p>
-          <a:p>
-            <a:r>
-              <a:rPr lang="en-US" dirty="0"/>
-              <a:t>Total number as well</a:t>
-            </a:r>
-          </a:p>
-          <a:p>
-            <a:r>
-              <a:rPr lang="en-US" dirty="0"/>
-              <a:t>Lines of code could go here too</a:t>
-            </a:r>
-          </a:p>
-          <a:p>
-            <a:r>
-              <a:rPr lang="en-US" dirty="0"/>
-              <a:t>Maybe add a picture of issue tracking?</a:t>
-            </a:r>
-          </a:p>
-        </p:txBody>
-      </p:sp>
+        </p:nvPicPr>
+        <p:blipFill>
+          <a:blip r:embed="rId2">
+            <a:extLst>
+              <a:ext uri="{28A0092B-C50C-407E-A947-70E740481C1C}">
+                <a14:useLocalDpi xmlns:a14="http://schemas.microsoft.com/office/drawing/2010/main" val="0"/>
+              </a:ext>
+            </a:extLst>
+          </a:blip>
+          <a:stretch>
+            <a:fillRect/>
+          </a:stretch>
+        </p:blipFill>
+        <p:spPr>
+          <a:xfrm>
+            <a:off x="100449" y="2362200"/>
+            <a:ext cx="8943101" cy="3447006"/>
+          </a:xfrm>
+        </p:spPr>
+      </p:pic>
     </p:spTree>
     <p:extLst>
       <p:ext uri="{BB962C8B-B14F-4D97-AF65-F5344CB8AC3E}">
@@ -17478,6 +17732,100 @@
 </file>
 
 <file path=ppt/slides/slide5.xml><?xml version="1.0" encoding="utf-8"?>
+<p:sld xmlns:a="http://schemas.openxmlformats.org/drawingml/2006/main" xmlns:r="http://schemas.openxmlformats.org/officeDocument/2006/relationships" xmlns:p="http://schemas.openxmlformats.org/presentationml/2006/main">
+  <p:cSld>
+    <p:spTree>
+      <p:nvGrpSpPr>
+        <p:cNvPr id="1" name=""/>
+        <p:cNvGrpSpPr/>
+        <p:nvPr/>
+      </p:nvGrpSpPr>
+      <p:grpSpPr>
+        <a:xfrm>
+          <a:off x="0" y="0"/>
+          <a:ext cx="0" cy="0"/>
+          <a:chOff x="0" y="0"/>
+          <a:chExt cx="0" cy="0"/>
+        </a:xfrm>
+      </p:grpSpPr>
+      <p:sp>
+        <p:nvSpPr>
+          <p:cNvPr id="2" name="Title 1">
+            <a:extLst>
+              <a:ext uri="{FF2B5EF4-FFF2-40B4-BE49-F238E27FC236}">
+                <a16:creationId xmlns:a16="http://schemas.microsoft.com/office/drawing/2014/main" id="{279DE802-5C5D-436C-A11A-428890A5EE2A}"/>
+              </a:ext>
+            </a:extLst>
+          </p:cNvPr>
+          <p:cNvSpPr>
+            <a:spLocks noGrp="1"/>
+          </p:cNvSpPr>
+          <p:nvPr>
+            <p:ph type="title"/>
+          </p:nvPr>
+        </p:nvSpPr>
+        <p:spPr/>
+        <p:txBody>
+          <a:bodyPr/>
+          <a:lstStyle/>
+          <a:p>
+            <a:r>
+              <a:rPr lang="en-US" dirty="0"/>
+              <a:t>Issue Tracking</a:t>
+            </a:r>
+          </a:p>
+        </p:txBody>
+      </p:sp>
+      <p:pic>
+        <p:nvPicPr>
+          <p:cNvPr id="4" name="Picture 3" descr="A screenshot of a computer&#10;&#10;Description generated with very high confidence">
+            <a:extLst>
+              <a:ext uri="{FF2B5EF4-FFF2-40B4-BE49-F238E27FC236}">
+                <a16:creationId xmlns:a16="http://schemas.microsoft.com/office/drawing/2014/main" id="{9457C6F8-D78B-4B52-846C-F7AB5C40BC57}"/>
+              </a:ext>
+            </a:extLst>
+          </p:cNvPr>
+          <p:cNvPicPr>
+            <a:picLocks noChangeAspect="1"/>
+          </p:cNvPicPr>
+          <p:nvPr/>
+        </p:nvPicPr>
+        <p:blipFill>
+          <a:blip r:embed="rId3">
+            <a:extLst>
+              <a:ext uri="{28A0092B-C50C-407E-A947-70E740481C1C}">
+                <a14:useLocalDpi xmlns:a14="http://schemas.microsoft.com/office/drawing/2010/main" val="0"/>
+              </a:ext>
+            </a:extLst>
+          </a:blip>
+          <a:stretch>
+            <a:fillRect/>
+          </a:stretch>
+        </p:blipFill>
+        <p:spPr>
+          <a:xfrm>
+            <a:off x="114300" y="1981200"/>
+            <a:ext cx="8915400" cy="4719241"/>
+          </a:xfrm>
+          <a:prstGeom prst="rect">
+            <a:avLst/>
+          </a:prstGeom>
+        </p:spPr>
+      </p:pic>
+    </p:spTree>
+    <p:extLst>
+      <p:ext uri="{BB962C8B-B14F-4D97-AF65-F5344CB8AC3E}">
+        <p14:creationId xmlns:p14="http://schemas.microsoft.com/office/powerpoint/2010/main" val="755591833"/>
+      </p:ext>
+    </p:extLst>
+  </p:cSld>
+  <p:clrMapOvr>
+    <a:masterClrMapping/>
+  </p:clrMapOvr>
+</p:sld>
+</file>
+
+<file path=ppt/slides/slide6.xml><?xml version="1.0" encoding="utf-8"?>
 <p:sld xmlns:a="http://schemas.openxmlformats.org/drawingml/2006/main" xmlns:r="http://schemas.openxmlformats.org/officeDocument/2006/relationships" xmlns:p="http://schemas.openxmlformats.org/presentationml/2006/main">
   <p:cSld>
     <p:spTree>
@@ -17522,41 +17870,41 @@
           </a:p>
         </p:txBody>
       </p:sp>
-      <p:sp>
-        <p:nvSpPr>
-          <p:cNvPr id="3" name="Content Placeholder 2">
+      <p:pic>
+        <p:nvPicPr>
+          <p:cNvPr id="7" name="Content Placeholder 6" descr="A screenshot of a cell phone&#10;&#10;Description generated with very high confidence">
             <a:extLst>
               <a:ext uri="{FF2B5EF4-FFF2-40B4-BE49-F238E27FC236}">
-                <a16:creationId xmlns:a16="http://schemas.microsoft.com/office/drawing/2014/main" id="{02BF52F6-4F02-45C6-B0E7-733C20AAFB9C}"/>
+                <a16:creationId xmlns:a16="http://schemas.microsoft.com/office/drawing/2014/main" id="{B4B9B758-6D81-4BDC-BCEF-EE29C869C02E}"/>
               </a:ext>
             </a:extLst>
           </p:cNvPr>
-          <p:cNvSpPr>
-            <a:spLocks noGrp="1"/>
-          </p:cNvSpPr>
+          <p:cNvPicPr>
+            <a:picLocks noGrp="1" noChangeAspect="1"/>
+          </p:cNvPicPr>
           <p:nvPr>
             <p:ph idx="1"/>
           </p:nvPr>
-        </p:nvSpPr>
-        <p:spPr/>
-        <p:txBody>
-          <a:bodyPr/>
-          <a:lstStyle/>
-          <a:p>
-            <a:r>
-              <a:rPr lang="en-US" dirty="0"/>
-              <a:t>I have no idea what to put here</a:t>
-            </a:r>
-          </a:p>
-          <a:p>
-            <a:pPr lvl="1"/>
-            <a:r>
-              <a:rPr lang="en-US" dirty="0"/>
-              <a:t>Anything Hunter and Jameson wrote</a:t>
-            </a:r>
-          </a:p>
-        </p:txBody>
-      </p:sp>
+        </p:nvPicPr>
+        <p:blipFill>
+          <a:blip r:embed="rId3">
+            <a:extLst>
+              <a:ext uri="{28A0092B-C50C-407E-A947-70E740481C1C}">
+                <a14:useLocalDpi xmlns:a14="http://schemas.microsoft.com/office/drawing/2010/main" val="0"/>
+              </a:ext>
+            </a:extLst>
+          </a:blip>
+          <a:stretch>
+            <a:fillRect/>
+          </a:stretch>
+        </p:blipFill>
+        <p:spPr>
+          <a:xfrm>
+            <a:off x="768350" y="2810388"/>
+            <a:ext cx="7289800" cy="2973948"/>
+          </a:xfrm>
+        </p:spPr>
+      </p:pic>
     </p:spTree>
     <p:extLst>
       <p:ext uri="{BB962C8B-B14F-4D97-AF65-F5344CB8AC3E}">
@@ -17570,7 +17918,73 @@
 </p:sld>
 </file>
 
-<file path=ppt/slides/slide6.xml><?xml version="1.0" encoding="utf-8"?>
+<file path=ppt/slides/slide7.xml><?xml version="1.0" encoding="utf-8"?>
+<p:sld xmlns:a="http://schemas.openxmlformats.org/drawingml/2006/main" xmlns:r="http://schemas.openxmlformats.org/officeDocument/2006/relationships" xmlns:p="http://schemas.openxmlformats.org/presentationml/2006/main">
+  <p:cSld>
+    <p:spTree>
+      <p:nvGrpSpPr>
+        <p:cNvPr id="1" name=""/>
+        <p:cNvGrpSpPr/>
+        <p:nvPr/>
+      </p:nvGrpSpPr>
+      <p:grpSpPr>
+        <a:xfrm>
+          <a:off x="0" y="0"/>
+          <a:ext cx="0" cy="0"/>
+          <a:chOff x="0" y="0"/>
+          <a:chExt cx="0" cy="0"/>
+        </a:xfrm>
+      </p:grpSpPr>
+      <p:pic>
+        <p:nvPicPr>
+          <p:cNvPr id="2" name="Picture 1" descr="Test Case Generator for Invalid Input.">
+            <a:extLst>
+              <a:ext uri="{FF2B5EF4-FFF2-40B4-BE49-F238E27FC236}">
+                <a16:creationId xmlns:a16="http://schemas.microsoft.com/office/drawing/2014/main" id="{476C6ECB-47E2-4997-8710-55F9A9E343A4}"/>
+              </a:ext>
+            </a:extLst>
+          </p:cNvPr>
+          <p:cNvPicPr>
+            <a:picLocks noChangeAspect="1"/>
+          </p:cNvPicPr>
+          <p:nvPr/>
+        </p:nvPicPr>
+        <p:blipFill>
+          <a:blip r:embed="rId3">
+            <a:extLst>
+              <a:ext uri="{28A0092B-C50C-407E-A947-70E740481C1C}">
+                <a14:useLocalDpi xmlns:a14="http://schemas.microsoft.com/office/drawing/2010/main" val="0"/>
+              </a:ext>
+            </a:extLst>
+          </a:blip>
+          <a:stretch>
+            <a:fillRect/>
+          </a:stretch>
+        </p:blipFill>
+        <p:spPr>
+          <a:xfrm>
+            <a:off x="1098329" y="904725"/>
+            <a:ext cx="6947341" cy="5048550"/>
+          </a:xfrm>
+          <a:prstGeom prst="rect">
+            <a:avLst/>
+          </a:prstGeom>
+        </p:spPr>
+      </p:pic>
+    </p:spTree>
+    <p:extLst>
+      <p:ext uri="{BB962C8B-B14F-4D97-AF65-F5344CB8AC3E}">
+        <p14:creationId xmlns:p14="http://schemas.microsoft.com/office/powerpoint/2010/main" val="37151021"/>
+      </p:ext>
+    </p:extLst>
+  </p:cSld>
+  <p:clrMapOvr>
+    <a:masterClrMapping/>
+  </p:clrMapOvr>
+</p:sld>
+</file>
+
+<file path=ppt/slides/slide8.xml><?xml version="1.0" encoding="utf-8"?>
 <p:sld xmlns:a="http://schemas.openxmlformats.org/drawingml/2006/main" xmlns:r="http://schemas.openxmlformats.org/officeDocument/2006/relationships" xmlns:p="http://schemas.openxmlformats.org/presentationml/2006/main">
   <p:cSld>
     <p:spTree>
@@ -17667,7 +18081,7 @@
 </p:sld>
 </file>
 
-<file path=ppt/slides/slide7.xml><?xml version="1.0" encoding="utf-8"?>
+<file path=ppt/slides/slide9.xml><?xml version="1.0" encoding="utf-8"?>
 <p:sld xmlns:a="http://schemas.openxmlformats.org/drawingml/2006/main" xmlns:r="http://schemas.openxmlformats.org/officeDocument/2006/relationships" xmlns:p="http://schemas.openxmlformats.org/presentationml/2006/main">
   <p:cSld>
     <p:bg>
